--- a/Курсовая работа.pptx
+++ b/Курсовая работа.pptx
@@ -5945,7 +5945,7 @@
         </p:style>
         <p:txBody>
           <a:bodyPr lIns="90000" tIns="45000" rIns="90000" bIns="45000">
-            <a:normAutofit fontScale="86500"/>
+            <a:normAutofit fontScale="86500" lnSpcReduction="20000"/>
           </a:bodyPr>
           <a:lstStyle/>
           <a:p>
@@ -5978,7 +5978,27 @@
                 <a:latin typeface="Calibri"/>
                 <a:ea typeface="DejaVu Sans"/>
               </a:rPr>
-              <a:t>Овчинникова Арина</a:t>
+              <a:t>Овчинникова </a:t>
+            </a:r>
+            <a:r>
+              <a:rPr lang="ru-RU" sz="2800" spc="-1">
+                <a:solidFill>
+                  <a:srgbClr val="000000"/>
+                </a:solidFill>
+                <a:latin typeface="Calibri"/>
+                <a:ea typeface="DejaVu Sans"/>
+              </a:rPr>
+              <a:t>Арина</a:t>
+            </a:r>
+            <a:r>
+              <a:rPr lang="ru-RU" sz="2800" b="0" strike="noStrike" spc="-1">
+                <a:solidFill>
+                  <a:srgbClr val="000000"/>
+                </a:solidFill>
+                <a:latin typeface="Calibri"/>
+                <a:ea typeface="DejaVu Sans"/>
+              </a:rPr>
+              <a:t> Игоревна, </a:t>
             </a:r>
             <a:r>
               <a:rPr lang="ru-RU" sz="2800" b="0" strike="noStrike" spc="-1" dirty="0">
@@ -5988,7 +6008,7 @@
                 <a:latin typeface="Calibri"/>
                 <a:ea typeface="DejaVu Sans"/>
               </a:rPr>
-              <a:t> …, 414 группа</a:t>
+              <a:t>414 группа</a:t>
             </a:r>
             <a:r>
               <a:rPr lang="ru-RU" sz="3200" b="0" strike="noStrike" spc="-1" dirty="0">

--- a/Курсовая работа.pptx
+++ b/Курсовая работа.pptx
@@ -874,7 +874,7 @@
             <a:fld id="{B61BEF0D-F0BB-DE4B-95CE-6DB70DBA9567}" type="datetimeFigureOut">
               <a:rPr lang="en-US" dirty="0"/>
               <a:pPr/>
-              <a:t>3/27/2025</a:t>
+              <a:t>4/2/2025</a:t>
             </a:fld>
             <a:endParaRPr lang="en-US" dirty="0"/>
           </a:p>
@@ -1122,7 +1122,7 @@
             <a:fld id="{B61BEF0D-F0BB-DE4B-95CE-6DB70DBA9567}" type="datetimeFigureOut">
               <a:rPr lang="en-US" dirty="0"/>
               <a:pPr/>
-              <a:t>3/27/2025</a:t>
+              <a:t>4/2/2025</a:t>
             </a:fld>
             <a:endParaRPr lang="en-US" dirty="0"/>
           </a:p>
@@ -1433,7 +1433,7 @@
             <a:fld id="{B61BEF0D-F0BB-DE4B-95CE-6DB70DBA9567}" type="datetimeFigureOut">
               <a:rPr lang="en-US" dirty="0"/>
               <a:pPr/>
-              <a:t>3/27/2025</a:t>
+              <a:t>4/2/2025</a:t>
             </a:fld>
             <a:endParaRPr lang="en-US" dirty="0"/>
           </a:p>
@@ -1763,7 +1763,7 @@
             <a:fld id="{B61BEF0D-F0BB-DE4B-95CE-6DB70DBA9567}" type="datetimeFigureOut">
               <a:rPr lang="en-US" dirty="0"/>
               <a:pPr/>
-              <a:t>3/27/2025</a:t>
+              <a:t>4/2/2025</a:t>
             </a:fld>
             <a:endParaRPr lang="en-US" dirty="0"/>
           </a:p>
@@ -2074,7 +2074,7 @@
             <a:fld id="{B61BEF0D-F0BB-DE4B-95CE-6DB70DBA9567}" type="datetimeFigureOut">
               <a:rPr lang="en-US" dirty="0"/>
               <a:pPr/>
-              <a:t>3/27/2025</a:t>
+              <a:t>4/2/2025</a:t>
             </a:fld>
             <a:endParaRPr lang="en-US" dirty="0"/>
           </a:p>
@@ -2464,7 +2464,7 @@
             <a:fld id="{B61BEF0D-F0BB-DE4B-95CE-6DB70DBA9567}" type="datetimeFigureOut">
               <a:rPr lang="en-US" dirty="0"/>
               <a:pPr/>
-              <a:t>3/27/2025</a:t>
+              <a:t>4/2/2025</a:t>
             </a:fld>
             <a:endParaRPr lang="en-US" dirty="0"/>
           </a:p>
@@ -2630,7 +2630,7 @@
           <a:p>
             <a:fld id="{55C6B4A9-1611-4792-9094-5F34BCA07E0B}" type="datetimeFigureOut">
               <a:rPr lang="en-US" dirty="0"/>
-              <a:t>3/27/2025</a:t>
+              <a:t>4/2/2025</a:t>
             </a:fld>
             <a:endParaRPr lang="en-US" dirty="0"/>
           </a:p>
@@ -2806,7 +2806,7 @@
             <a:fld id="{B61BEF0D-F0BB-DE4B-95CE-6DB70DBA9567}" type="datetimeFigureOut">
               <a:rPr lang="en-US" dirty="0"/>
               <a:pPr/>
-              <a:t>3/27/2025</a:t>
+              <a:t>4/2/2025</a:t>
             </a:fld>
             <a:endParaRPr lang="en-US" dirty="0"/>
           </a:p>
@@ -2972,7 +2972,7 @@
           <a:p>
             <a:fld id="{42A54C80-263E-416B-A8E0-580EDEADCBDC}" type="datetimeFigureOut">
               <a:rPr lang="en-US" dirty="0"/>
-              <a:t>3/27/2025</a:t>
+              <a:t>4/2/2025</a:t>
             </a:fld>
             <a:endParaRPr lang="en-US" dirty="0"/>
           </a:p>
@@ -3215,7 +3215,7 @@
             <a:fld id="{B61BEF0D-F0BB-DE4B-95CE-6DB70DBA9567}" type="datetimeFigureOut">
               <a:rPr lang="en-US" dirty="0"/>
               <a:pPr/>
-              <a:t>3/27/2025</a:t>
+              <a:t>4/2/2025</a:t>
             </a:fld>
             <a:endParaRPr lang="en-US" dirty="0"/>
           </a:p>
@@ -3443,7 +3443,7 @@
           <a:p>
             <a:fld id="{42A54C80-263E-416B-A8E0-580EDEADCBDC}" type="datetimeFigureOut">
               <a:rPr lang="en-US" dirty="0"/>
-              <a:t>3/27/2025</a:t>
+              <a:t>4/2/2025</a:t>
             </a:fld>
             <a:endParaRPr lang="en-US" dirty="0"/>
           </a:p>
@@ -3813,7 +3813,7 @@
             <a:fld id="{B61BEF0D-F0BB-DE4B-95CE-6DB70DBA9567}" type="datetimeFigureOut">
               <a:rPr lang="en-US" dirty="0"/>
               <a:pPr/>
-              <a:t>3/27/2025</a:t>
+              <a:t>4/2/2025</a:t>
             </a:fld>
             <a:endParaRPr lang="en-US" dirty="0"/>
           </a:p>
@@ -3933,7 +3933,7 @@
             <a:fld id="{B61BEF0D-F0BB-DE4B-95CE-6DB70DBA9567}" type="datetimeFigureOut">
               <a:rPr lang="en-US" dirty="0"/>
               <a:pPr/>
-              <a:t>3/27/2025</a:t>
+              <a:t>4/2/2025</a:t>
             </a:fld>
             <a:endParaRPr lang="en-US" dirty="0"/>
           </a:p>
@@ -4025,7 +4025,7 @@
             <a:fld id="{B61BEF0D-F0BB-DE4B-95CE-6DB70DBA9567}" type="datetimeFigureOut">
               <a:rPr lang="en-US" dirty="0"/>
               <a:pPr/>
-              <a:t>3/27/2025</a:t>
+              <a:t>4/2/2025</a:t>
             </a:fld>
             <a:endParaRPr lang="en-US" dirty="0"/>
           </a:p>
@@ -4276,7 +4276,7 @@
           <a:p>
             <a:fld id="{42A54C80-263E-416B-A8E0-580EDEADCBDC}" type="datetimeFigureOut">
               <a:rPr lang="en-US" dirty="0"/>
-              <a:t>3/27/2025</a:t>
+              <a:t>4/2/2025</a:t>
             </a:fld>
             <a:endParaRPr lang="en-US" dirty="0"/>
           </a:p>
@@ -4578,7 +4578,7 @@
             <a:fld id="{B61BEF0D-F0BB-DE4B-95CE-6DB70DBA9567}" type="datetimeFigureOut">
               <a:rPr lang="en-US" dirty="0"/>
               <a:pPr/>
-              <a:t>3/27/2025</a:t>
+              <a:t>4/2/2025</a:t>
             </a:fld>
             <a:endParaRPr lang="en-US" dirty="0"/>
           </a:p>
@@ -5276,7 +5276,7 @@
             <a:fld id="{B61BEF0D-F0BB-DE4B-95CE-6DB70DBA9567}" type="datetimeFigureOut">
               <a:rPr lang="en-US" dirty="0"/>
               <a:pPr/>
-              <a:t>3/27/2025</a:t>
+              <a:t>4/2/2025</a:t>
             </a:fld>
             <a:endParaRPr lang="en-US" dirty="0"/>
           </a:p>
@@ -9839,10 +9839,10 @@
       </p:sp>
       <p:pic>
         <p:nvPicPr>
-          <p:cNvPr id="5" name="Объект 4">
+          <p:cNvPr id="7" name="Объект 6">
             <a:extLst>
               <a:ext uri="{FF2B5EF4-FFF2-40B4-BE49-F238E27FC236}">
-                <a16:creationId xmlns:a16="http://schemas.microsoft.com/office/drawing/2014/main" id="{A2BC0901-0B4F-467B-BA73-CDC8F15441A1}"/>
+                <a16:creationId xmlns:a16="http://schemas.microsoft.com/office/drawing/2014/main" id="{BA171175-61FA-4620-B39C-71BA791A4C33}"/>
               </a:ext>
             </a:extLst>
           </p:cNvPr>
@@ -9861,8 +9861,8 @@
         </p:blipFill>
         <p:spPr>
           <a:xfrm>
-            <a:off x="2010574" y="888260"/>
-            <a:ext cx="6840656" cy="5969740"/>
+            <a:off x="1556557" y="815975"/>
+            <a:ext cx="8231863" cy="5814165"/>
           </a:xfrm>
         </p:spPr>
       </p:pic>
@@ -9932,10 +9932,10 @@
       </p:sp>
       <p:pic>
         <p:nvPicPr>
-          <p:cNvPr id="7" name="Объект 6">
+          <p:cNvPr id="6" name="Объект 5">
             <a:extLst>
               <a:ext uri="{FF2B5EF4-FFF2-40B4-BE49-F238E27FC236}">
-                <a16:creationId xmlns:a16="http://schemas.microsoft.com/office/drawing/2014/main" id="{AAB70942-83EC-4C6E-BB7A-6D99F67A685C}"/>
+                <a16:creationId xmlns:a16="http://schemas.microsoft.com/office/drawing/2014/main" id="{F2631ECE-6996-45F4-A1BD-83B342D8E4F4}"/>
               </a:ext>
             </a:extLst>
           </p:cNvPr>
@@ -9954,8 +9954,8 @@
         </p:blipFill>
         <p:spPr>
           <a:xfrm>
-            <a:off x="582939" y="841395"/>
-            <a:ext cx="10478638" cy="5279986"/>
+            <a:off x="197858" y="994300"/>
+            <a:ext cx="10861574" cy="5145380"/>
           </a:xfrm>
         </p:spPr>
       </p:pic>
